--- a/SDG4_Presentation.pptx
+++ b/SDG4_Presentation.pptx
@@ -283,7 +283,7 @@
             <a:fld id="{5BCAD085-E8A6-8845-BD4E-CB4CCA059FC4}" type="datetimeFigureOut">
               <a:rPr lang="en-US" smtClean="0"/>
               <a:pPr/>
-              <a:t>2/11/2025</a:t>
+              <a:t>2/12/2025</a:t>
             </a:fld>
             <a:endParaRPr lang="en-US"/>
           </a:p>
@@ -453,7 +453,7 @@
             <a:fld id="{5BCAD085-E8A6-8845-BD4E-CB4CCA059FC4}" type="datetimeFigureOut">
               <a:rPr lang="en-US" smtClean="0"/>
               <a:pPr/>
-              <a:t>2/11/2025</a:t>
+              <a:t>2/12/2025</a:t>
             </a:fld>
             <a:endParaRPr lang="en-US"/>
           </a:p>
@@ -633,7 +633,7 @@
             <a:fld id="{5BCAD085-E8A6-8845-BD4E-CB4CCA059FC4}" type="datetimeFigureOut">
               <a:rPr lang="en-US" smtClean="0"/>
               <a:pPr/>
-              <a:t>2/11/2025</a:t>
+              <a:t>2/12/2025</a:t>
             </a:fld>
             <a:endParaRPr lang="en-US"/>
           </a:p>
@@ -803,7 +803,7 @@
             <a:fld id="{5BCAD085-E8A6-8845-BD4E-CB4CCA059FC4}" type="datetimeFigureOut">
               <a:rPr lang="en-US" smtClean="0"/>
               <a:pPr/>
-              <a:t>2/11/2025</a:t>
+              <a:t>2/12/2025</a:t>
             </a:fld>
             <a:endParaRPr lang="en-US"/>
           </a:p>
@@ -1045,7 +1045,7 @@
             <a:fld id="{5BCAD085-E8A6-8845-BD4E-CB4CCA059FC4}" type="datetimeFigureOut">
               <a:rPr lang="en-US" smtClean="0"/>
               <a:pPr/>
-              <a:t>2/11/2025</a:t>
+              <a:t>2/12/2025</a:t>
             </a:fld>
             <a:endParaRPr lang="en-US"/>
           </a:p>
@@ -1314,7 +1314,7 @@
             <a:fld id="{5BCAD085-E8A6-8845-BD4E-CB4CCA059FC4}" type="datetimeFigureOut">
               <a:rPr lang="en-US" smtClean="0"/>
               <a:pPr/>
-              <a:t>2/11/2025</a:t>
+              <a:t>2/12/2025</a:t>
             </a:fld>
             <a:endParaRPr lang="en-US"/>
           </a:p>
@@ -1697,7 +1697,7 @@
             <a:fld id="{5BCAD085-E8A6-8845-BD4E-CB4CCA059FC4}" type="datetimeFigureOut">
               <a:rPr lang="en-US" smtClean="0"/>
               <a:pPr/>
-              <a:t>2/11/2025</a:t>
+              <a:t>2/12/2025</a:t>
             </a:fld>
             <a:endParaRPr lang="en-US"/>
           </a:p>
@@ -1852,7 +1852,7 @@
             <a:fld id="{5BCAD085-E8A6-8845-BD4E-CB4CCA059FC4}" type="datetimeFigureOut">
               <a:rPr lang="en-US" smtClean="0"/>
               <a:pPr/>
-              <a:t>2/11/2025</a:t>
+              <a:t>2/12/2025</a:t>
             </a:fld>
             <a:endParaRPr lang="en-US"/>
           </a:p>
@@ -1947,7 +1947,7 @@
             <a:fld id="{5BCAD085-E8A6-8845-BD4E-CB4CCA059FC4}" type="datetimeFigureOut">
               <a:rPr lang="en-US" smtClean="0"/>
               <a:pPr/>
-              <a:t>2/11/2025</a:t>
+              <a:t>2/12/2025</a:t>
             </a:fld>
             <a:endParaRPr lang="en-US"/>
           </a:p>
@@ -2213,7 +2213,7 @@
             <a:fld id="{5BCAD085-E8A6-8845-BD4E-CB4CCA059FC4}" type="datetimeFigureOut">
               <a:rPr lang="en-US" smtClean="0"/>
               <a:pPr/>
-              <a:t>2/11/2025</a:t>
+              <a:t>2/12/2025</a:t>
             </a:fld>
             <a:endParaRPr lang="en-US"/>
           </a:p>
@@ -2506,7 +2506,7 @@
             <a:fld id="{5BCAD085-E8A6-8845-BD4E-CB4CCA059FC4}" type="datetimeFigureOut">
               <a:rPr lang="en-US" smtClean="0"/>
               <a:pPr/>
-              <a:t>2/11/2025</a:t>
+              <a:t>2/12/2025</a:t>
             </a:fld>
             <a:endParaRPr lang="en-US"/>
           </a:p>
@@ -3282,7 +3282,7 @@
             <a:fld id="{5BCAD085-E8A6-8845-BD4E-CB4CCA059FC4}" type="datetimeFigureOut">
               <a:rPr lang="en-US" smtClean="0"/>
               <a:pPr/>
-              <a:t>2/11/2025</a:t>
+              <a:t>2/12/2025</a:t>
             </a:fld>
             <a:endParaRPr lang="en-US"/>
           </a:p>
@@ -4235,8 +4235,25 @@
               <a:t> </a:t>
             </a:r>
             <a:r>
-              <a:t>Education reduces poverty, improves employment, and strengthens societies.</a:t>
-            </a:r>
+              <a:t>Education reduces poverty, improves employment, </a:t>
+            </a:r>
+            <a:r>
+              <a:rPr/>
+              <a:t>and </a:t>
+            </a:r>
+            <a:r>
+              <a:rPr lang="en-US" smtClean="0"/>
+              <a:t>fosters </a:t>
+            </a:r>
+            <a:r>
+              <a:rPr lang="en-US" smtClean="0"/>
+              <a:t>innovation</a:t>
+            </a:r>
+            <a:r>
+              <a:rPr smtClean="0"/>
+              <a:t>.</a:t>
+            </a:r>
+            <a:endParaRPr/>
           </a:p>
           <a:p>
             <a:r>
